--- a/05_Solution.pptx
+++ b/05_Solution.pptx
@@ -13,9 +13,10 @@
   </p:sldMasterIdLst>
   <p:sldIdLst>
     <p:sldId id="256" r:id="rId9"/>
-    <p:sldId id="257" r:id="rId10"/>
-    <p:sldId id="258" r:id="rId11"/>
-    <p:sldId id="259" r:id="rId12"/>
+    <p:sldId id="262" r:id="rId10"/>
+    <p:sldId id="257" r:id="rId11"/>
+    <p:sldId id="258" r:id="rId12"/>
+    <p:sldId id="259" r:id="rId13"/>
   </p:sldIdLst>
   <p:sldSz cx="12192000" cy="6858000"/>
   <p:notesSz cx="6858000" cy="9144000"/>
@@ -389,7 +390,7 @@
           <a:p>
             <a:fld id="{02243223-8F5B-47D4-B6E3-70CECE8A9622}" type="datetimeFigureOut">
               <a:rPr lang="en-US" smtClean="0"/>
-              <a:t>5/31/2018</a:t>
+              <a:t>6/7/2018</a:t>
             </a:fld>
             <a:endParaRPr lang="en-US"/>
           </a:p>
@@ -557,7 +558,7 @@
           <a:p>
             <a:fld id="{02243223-8F5B-47D4-B6E3-70CECE8A9622}" type="datetimeFigureOut">
               <a:rPr lang="en-US" smtClean="0"/>
-              <a:t>5/31/2018</a:t>
+              <a:t>6/7/2018</a:t>
             </a:fld>
             <a:endParaRPr lang="en-US"/>
           </a:p>
@@ -3001,7 +3002,7 @@
               <a:pPr>
                 <a:defRPr/>
               </a:pPr>
-              <a:t>5/31/2018</a:t>
+              <a:t>6/7/2018</a:t>
             </a:fld>
             <a:endParaRPr lang="en-US" altLang="en-US"/>
           </a:p>
@@ -10538,6 +10539,116 @@
 </file>
 
 <file path=ppt/slides/slide2.xml><?xml version="1.0" encoding="utf-8"?>
+<p:sld xmlns:a="http://schemas.openxmlformats.org/drawingml/2006/main" xmlns:r="http://schemas.openxmlformats.org/officeDocument/2006/relationships" xmlns:p="http://schemas.openxmlformats.org/presentationml/2006/main">
+  <p:cSld>
+    <p:spTree>
+      <p:nvGrpSpPr>
+        <p:cNvPr id="1" name=""/>
+        <p:cNvGrpSpPr/>
+        <p:nvPr/>
+      </p:nvGrpSpPr>
+      <p:grpSpPr>
+        <a:xfrm>
+          <a:off x="0" y="0"/>
+          <a:ext cx="0" cy="0"/>
+          <a:chOff x="0" y="0"/>
+          <a:chExt cx="0" cy="0"/>
+        </a:xfrm>
+      </p:grpSpPr>
+      <p:pic>
+        <p:nvPicPr>
+          <p:cNvPr id="4" name="Picture 3">
+            <a:extLst>
+              <a:ext uri="{FF2B5EF4-FFF2-40B4-BE49-F238E27FC236}">
+                <a16:creationId xmlns:a16="http://schemas.microsoft.com/office/drawing/2014/main" id="{1B81E239-5D15-4125-A004-4BF43082A8F5}"/>
+              </a:ext>
+            </a:extLst>
+          </p:cNvPr>
+          <p:cNvPicPr>
+            <a:picLocks noChangeAspect="1"/>
+          </p:cNvPicPr>
+          <p:nvPr/>
+        </p:nvPicPr>
+        <p:blipFill>
+          <a:blip r:embed="rId2"/>
+          <a:stretch>
+            <a:fillRect/>
+          </a:stretch>
+        </p:blipFill>
+        <p:spPr>
+          <a:xfrm>
+            <a:off x="0" y="1719191"/>
+            <a:ext cx="12192000" cy="3419618"/>
+          </a:xfrm>
+          <a:prstGeom prst="rect">
+            <a:avLst/>
+          </a:prstGeom>
+        </p:spPr>
+      </p:pic>
+      <p:sp>
+        <p:nvSpPr>
+          <p:cNvPr id="5" name="Rectangle: Rounded Corners 4">
+            <a:extLst>
+              <a:ext uri="{FF2B5EF4-FFF2-40B4-BE49-F238E27FC236}">
+                <a16:creationId xmlns:a16="http://schemas.microsoft.com/office/drawing/2014/main" id="{014BE36F-7163-469A-903E-92912E96618A}"/>
+              </a:ext>
+            </a:extLst>
+          </p:cNvPr>
+          <p:cNvSpPr/>
+          <p:nvPr/>
+        </p:nvSpPr>
+        <p:spPr>
+          <a:xfrm>
+            <a:off x="680720" y="3078480"/>
+            <a:ext cx="5872480" cy="1991360"/>
+          </a:xfrm>
+          <a:prstGeom prst="roundRect">
+            <a:avLst/>
+          </a:prstGeom>
+          <a:noFill/>
+          <a:ln w="76200">
+            <a:solidFill>
+              <a:srgbClr val="FFC000"/>
+            </a:solidFill>
+          </a:ln>
+        </p:spPr>
+        <p:style>
+          <a:lnRef idx="1">
+            <a:schemeClr val="accent1"/>
+          </a:lnRef>
+          <a:fillRef idx="3">
+            <a:schemeClr val="accent1"/>
+          </a:fillRef>
+          <a:effectRef idx="2">
+            <a:schemeClr val="accent1"/>
+          </a:effectRef>
+          <a:fontRef idx="minor">
+            <a:schemeClr val="lt1"/>
+          </a:fontRef>
+        </p:style>
+        <p:txBody>
+          <a:bodyPr rtlCol="0" anchor="ctr"/>
+          <a:lstStyle/>
+          <a:p>
+            <a:pPr algn="ctr"/>
+            <a:endParaRPr lang="en-US"/>
+          </a:p>
+        </p:txBody>
+      </p:sp>
+    </p:spTree>
+    <p:extLst>
+      <p:ext uri="{BB962C8B-B14F-4D97-AF65-F5344CB8AC3E}">
+        <p14:creationId xmlns:p14="http://schemas.microsoft.com/office/powerpoint/2010/main" val="2469026384"/>
+      </p:ext>
+    </p:extLst>
+  </p:cSld>
+  <p:clrMapOvr>
+    <a:masterClrMapping/>
+  </p:clrMapOvr>
+</p:sld>
+</file>
+
+<file path=ppt/slides/slide3.xml><?xml version="1.0" encoding="utf-8"?>
 <p:sld xmlns:a="http://schemas.openxmlformats.org/drawingml/2006/main" xmlns:r="http://schemas.openxmlformats.org/officeDocument/2006/relationships" xmlns:p="http://schemas.openxmlformats.org/presentationml/2006/main" showMasterPhAnim="0">
   <p:cSld>
     <p:spTree>
@@ -10725,7 +10836,7 @@
 </p:sld>
 </file>
 
-<file path=ppt/slides/slide3.xml><?xml version="1.0" encoding="utf-8"?>
+<file path=ppt/slides/slide4.xml><?xml version="1.0" encoding="utf-8"?>
 <p:sld xmlns:a="http://schemas.openxmlformats.org/drawingml/2006/main" xmlns:r="http://schemas.openxmlformats.org/officeDocument/2006/relationships" xmlns:p="http://schemas.openxmlformats.org/presentationml/2006/main" showMasterPhAnim="0">
   <p:cSld>
     <p:spTree>
@@ -11070,7 +11181,7 @@
 </p:sld>
 </file>
 
-<file path=ppt/slides/slide4.xml><?xml version="1.0" encoding="utf-8"?>
+<file path=ppt/slides/slide5.xml><?xml version="1.0" encoding="utf-8"?>
 <p:sld xmlns:a="http://schemas.openxmlformats.org/drawingml/2006/main" xmlns:r="http://schemas.openxmlformats.org/officeDocument/2006/relationships" xmlns:p="http://schemas.openxmlformats.org/presentationml/2006/main" showMasterPhAnim="0">
   <p:cSld>
     <p:spTree>
@@ -11843,7 +11954,7 @@
         <a:effectLst/>
         <a:extLst>
           <a:ext uri="{AF507438-7753-43e0-B8FC-AC1667EBCBE1}">
-            <a14:hiddenEffects xmlns="" xmlns:a14="http://schemas.microsoft.com/office/drawing/2010/main">
+            <a14:hiddenEffects xmlns:a14="http://schemas.microsoft.com/office/drawing/2010/main" xmlns="">
               <a:effectLst>
                 <a:outerShdw blurRad="63500" dist="38099" dir="2700000" algn="ctr" rotWithShape="0">
                   <a:schemeClr val="bg2">
@@ -11923,7 +12034,7 @@
         <a:effectLst/>
         <a:extLst>
           <a:ext uri="{AF507438-7753-43e0-B8FC-AC1667EBCBE1}">
-            <a14:hiddenEffects xmlns="" xmlns:a14="http://schemas.microsoft.com/office/drawing/2010/main">
+            <a14:hiddenEffects xmlns:a14="http://schemas.microsoft.com/office/drawing/2010/main" xmlns="">
               <a:effectLst>
                 <a:outerShdw blurRad="63500" dist="38099" dir="2700000" algn="ctr" rotWithShape="0">
                   <a:schemeClr val="bg2">
@@ -12597,7 +12708,7 @@
         <a:effectLst/>
         <a:extLst>
           <a:ext uri="{AF507438-7753-43e0-B8FC-AC1667EBCBE1}">
-            <a14:hiddenEffects xmlns="" xmlns:a14="http://schemas.microsoft.com/office/drawing/2010/main">
+            <a14:hiddenEffects xmlns:a14="http://schemas.microsoft.com/office/drawing/2010/main" xmlns="">
               <a:effectLst>
                 <a:outerShdw blurRad="63500" dist="38099" dir="2700000" algn="ctr" rotWithShape="0">
                   <a:schemeClr val="bg2">
@@ -12677,7 +12788,7 @@
         <a:effectLst/>
         <a:extLst>
           <a:ext uri="{AF507438-7753-43e0-B8FC-AC1667EBCBE1}">
-            <a14:hiddenEffects xmlns="" xmlns:a14="http://schemas.microsoft.com/office/drawing/2010/main">
+            <a14:hiddenEffects xmlns:a14="http://schemas.microsoft.com/office/drawing/2010/main" xmlns="">
               <a:effectLst>
                 <a:outerShdw blurRad="63500" dist="38099" dir="2700000" algn="ctr" rotWithShape="0">
                   <a:schemeClr val="bg2">
@@ -13026,7 +13137,7 @@
         <a:effectLst/>
         <a:extLst>
           <a:ext uri="{AF507438-7753-43e0-B8FC-AC1667EBCBE1}">
-            <a14:hiddenEffects xmlns="" xmlns:a14="http://schemas.microsoft.com/office/drawing/2010/main">
+            <a14:hiddenEffects xmlns:a14="http://schemas.microsoft.com/office/drawing/2010/main" xmlns="">
               <a:effectLst>
                 <a:outerShdw blurRad="63500" dist="38099" dir="2700000" algn="ctr" rotWithShape="0">
                   <a:schemeClr val="bg2">
@@ -13106,7 +13217,7 @@
         <a:effectLst/>
         <a:extLst>
           <a:ext uri="{AF507438-7753-43e0-B8FC-AC1667EBCBE1}">
-            <a14:hiddenEffects xmlns="" xmlns:a14="http://schemas.microsoft.com/office/drawing/2010/main">
+            <a14:hiddenEffects xmlns:a14="http://schemas.microsoft.com/office/drawing/2010/main" xmlns="">
               <a:effectLst>
                 <a:outerShdw blurRad="63500" dist="38099" dir="2700000" algn="ctr" rotWithShape="0">
                   <a:schemeClr val="bg2">
@@ -13455,7 +13566,7 @@
         <a:effectLst/>
         <a:extLst>
           <a:ext uri="{AF507438-7753-43e0-B8FC-AC1667EBCBE1}">
-            <a14:hiddenEffects xmlns="" xmlns:a14="http://schemas.microsoft.com/office/drawing/2010/main">
+            <a14:hiddenEffects xmlns:a14="http://schemas.microsoft.com/office/drawing/2010/main" xmlns="">
               <a:effectLst>
                 <a:outerShdw blurRad="63500" dist="38099" dir="2700000" algn="ctr" rotWithShape="0">
                   <a:schemeClr val="bg2">
@@ -13535,7 +13646,7 @@
         <a:effectLst/>
         <a:extLst>
           <a:ext uri="{AF507438-7753-43e0-B8FC-AC1667EBCBE1}">
-            <a14:hiddenEffects xmlns="" xmlns:a14="http://schemas.microsoft.com/office/drawing/2010/main">
+            <a14:hiddenEffects xmlns:a14="http://schemas.microsoft.com/office/drawing/2010/main" xmlns="">
               <a:effectLst>
                 <a:outerShdw blurRad="63500" dist="38099" dir="2700000" algn="ctr" rotWithShape="0">
                   <a:schemeClr val="bg2">
@@ -13884,7 +13995,7 @@
         <a:effectLst/>
         <a:extLst>
           <a:ext uri="{AF507438-7753-43e0-B8FC-AC1667EBCBE1}">
-            <a14:hiddenEffects xmlns="" xmlns:a14="http://schemas.microsoft.com/office/drawing/2010/main">
+            <a14:hiddenEffects xmlns:a14="http://schemas.microsoft.com/office/drawing/2010/main" xmlns="">
               <a:effectLst>
                 <a:outerShdw blurRad="63500" dist="38099" dir="2700000" algn="ctr" rotWithShape="0">
                   <a:schemeClr val="bg2">
@@ -13964,7 +14075,7 @@
         <a:effectLst/>
         <a:extLst>
           <a:ext uri="{AF507438-7753-43e0-B8FC-AC1667EBCBE1}">
-            <a14:hiddenEffects xmlns="" xmlns:a14="http://schemas.microsoft.com/office/drawing/2010/main">
+            <a14:hiddenEffects xmlns:a14="http://schemas.microsoft.com/office/drawing/2010/main" xmlns="">
               <a:effectLst>
                 <a:outerShdw blurRad="63500" dist="38099" dir="2700000" algn="ctr" rotWithShape="0">
                   <a:schemeClr val="bg2">
@@ -14313,7 +14424,7 @@
         <a:effectLst/>
         <a:extLst>
           <a:ext uri="{AF507438-7753-43e0-B8FC-AC1667EBCBE1}">
-            <a14:hiddenEffects xmlns="" xmlns:a14="http://schemas.microsoft.com/office/drawing/2010/main">
+            <a14:hiddenEffects xmlns:a14="http://schemas.microsoft.com/office/drawing/2010/main" xmlns="">
               <a:effectLst>
                 <a:outerShdw blurRad="63500" dist="38099" dir="2700000" algn="ctr" rotWithShape="0">
                   <a:schemeClr val="bg2">
@@ -14393,7 +14504,7 @@
         <a:effectLst/>
         <a:extLst>
           <a:ext uri="{AF507438-7753-43e0-B8FC-AC1667EBCBE1}">
-            <a14:hiddenEffects xmlns="" xmlns:a14="http://schemas.microsoft.com/office/drawing/2010/main">
+            <a14:hiddenEffects xmlns:a14="http://schemas.microsoft.com/office/drawing/2010/main" xmlns="">
               <a:effectLst>
                 <a:outerShdw blurRad="63500" dist="38099" dir="2700000" algn="ctr" rotWithShape="0">
                   <a:schemeClr val="bg2">
